--- a/Testing.pptx
+++ b/Testing.pptx
@@ -8,6 +8,7 @@
     <p:sldId id="256" r:id="rId7"/>
     <p:sldId id="257" r:id="rId8"/>
     <p:sldId id="258" r:id="rId9"/>
+    <p:sldId id="259" r:id="rId10"/>
   </p:sldIdLst>
   <p:sldSz cx="9144000" cy="6858000" type="screen4x3"/>
   <p:notesSz cx="6858000" cy="9144000"/>
@@ -3106,7 +3107,7 @@
           <a:lstStyle/>
           <a:p>
             <a:r>
-              <a:t>Censorship</a:t>
+              <a:t>es</a:t>
             </a:r>
           </a:p>
         </p:txBody>
@@ -3127,7 +3128,7 @@
           <a:lstStyle/>
           <a:p>
             <a:r>
-              <a:t>Made by Sebastians</a:t>
+              <a:t>seb</a:t>
             </a:r>
           </a:p>
         </p:txBody>
@@ -3166,7 +3167,7 @@
           <a:lstStyle/>
           <a:p>
             <a:r>
-              <a:t>Propoganda</a:t>
+              <a:t>yes</a:t>
             </a:r>
           </a:p>
         </p:txBody>
@@ -3185,29 +3186,7 @@
         <p:txBody>
           <a:bodyPr/>
           <a:lstStyle/>
-          <a:p>
-            <a:r>
-              <a:t>1st point</a:t>
-            </a:r>
-          </a:p>
-          <a:p>
-            <a:pPr lvl="1"/>
-            <a:r>
-              <a:t>2nd point</a:t>
-            </a:r>
-          </a:p>
-          <a:p>
-            <a:pPr lvl="2"/>
-            <a:r>
-              <a:t>3rd point</a:t>
-            </a:r>
-          </a:p>
-          <a:p>
-            <a:pPr lvl="3"/>
-            <a:r>
-              <a:t>4th point</a:t>
-            </a:r>
-          </a:p>
+          <a:p/>
         </p:txBody>
       </p:sp>
     </p:spTree>
@@ -3244,35 +3223,84 @@
           <a:lstStyle/>
           <a:p>
             <a:r>
-              <a:t>Pictures!!!</a:t>
-            </a:r>
-          </a:p>
-        </p:txBody>
-      </p:sp>
-      <p:pic>
-        <p:nvPicPr>
-          <p:cNvPr id="3" name="Picture 2" descr="newimage_500.jpg"/>
-          <p:cNvPicPr>
-            <a:picLocks noChangeAspect="1"/>
-          </p:cNvPicPr>
-          <p:nvPr/>
-        </p:nvPicPr>
-        <p:blipFill>
-          <a:blip r:embed="rId2"/>
-          <a:stretch>
-            <a:fillRect/>
-          </a:stretch>
-        </p:blipFill>
-        <p:spPr>
-          <a:xfrm>
-            <a:off x="1828800" y="1828800"/>
-            <a:ext cx="5080000" cy="2540000"/>
-          </a:xfrm>
-          <a:prstGeom prst="rect">
-            <a:avLst/>
-          </a:prstGeom>
-        </p:spPr>
-      </p:pic>
+              <a:t>no </a:t>
+            </a:r>
+          </a:p>
+        </p:txBody>
+      </p:sp>
+      <p:sp>
+        <p:nvSpPr>
+          <p:cNvPr id="3" name="Content Placeholder 2"/>
+          <p:cNvSpPr>
+            <a:spLocks noGrp="1"/>
+          </p:cNvSpPr>
+          <p:nvPr>
+            <p:ph idx="1"/>
+          </p:nvPr>
+        </p:nvSpPr>
+        <p:spPr/>
+        <p:txBody>
+          <a:bodyPr/>
+          <a:lstStyle/>
+          <a:p/>
+        </p:txBody>
+      </p:sp>
+    </p:spTree>
+  </p:cSld>
+  <p:clrMapOvr>
+    <a:masterClrMapping/>
+  </p:clrMapOvr>
+</p:sld>
+</file>
+
+<file path=ppt/slides/slide4.xml><?xml version="1.0" encoding="utf-8"?>
+<p:sld xmlns:a="http://schemas.openxmlformats.org/drawingml/2006/main" xmlns:p="http://schemas.openxmlformats.org/presentationml/2006/main" xmlns:r="http://schemas.openxmlformats.org/officeDocument/2006/relationships">
+  <p:cSld>
+    <p:spTree>
+      <p:nvGrpSpPr>
+        <p:cNvPr id="1" name=""/>
+        <p:cNvGrpSpPr/>
+        <p:nvPr/>
+      </p:nvGrpSpPr>
+      <p:grpSpPr/>
+      <p:sp>
+        <p:nvSpPr>
+          <p:cNvPr id="2" name="Title 1"/>
+          <p:cNvSpPr>
+            <a:spLocks noGrp="1"/>
+          </p:cNvSpPr>
+          <p:nvPr>
+            <p:ph type="title"/>
+          </p:nvPr>
+        </p:nvSpPr>
+        <p:spPr/>
+        <p:txBody>
+          <a:bodyPr/>
+          <a:lstStyle/>
+          <a:p>
+            <a:r>
+              <a:t>yes</a:t>
+            </a:r>
+          </a:p>
+        </p:txBody>
+      </p:sp>
+      <p:sp>
+        <p:nvSpPr>
+          <p:cNvPr id="3" name="Content Placeholder 2"/>
+          <p:cNvSpPr>
+            <a:spLocks noGrp="1"/>
+          </p:cNvSpPr>
+          <p:nvPr>
+            <p:ph idx="1"/>
+          </p:nvPr>
+        </p:nvSpPr>
+        <p:spPr/>
+        <p:txBody>
+          <a:bodyPr/>
+          <a:lstStyle/>
+          <a:p/>
+        </p:txBody>
+      </p:sp>
     </p:spTree>
   </p:cSld>
   <p:clrMapOvr>

--- a/Testing.pptx
+++ b/Testing.pptx
@@ -8,7 +8,6 @@
     <p:sldId id="256" r:id="rId7"/>
     <p:sldId id="257" r:id="rId8"/>
     <p:sldId id="258" r:id="rId9"/>
-    <p:sldId id="259" r:id="rId10"/>
   </p:sldIdLst>
   <p:sldSz cx="9144000" cy="6858000" type="screen4x3"/>
   <p:notesSz cx="6858000" cy="9144000"/>
@@ -3107,7 +3106,7 @@
           <a:lstStyle/>
           <a:p>
             <a:r>
-              <a:t>es</a:t>
+              <a:t>t</a:t>
             </a:r>
           </a:p>
         </p:txBody>
@@ -3128,7 +3127,7 @@
           <a:lstStyle/>
           <a:p>
             <a:r>
-              <a:t>seb</a:t>
+              <a:t>s</a:t>
             </a:r>
           </a:p>
         </p:txBody>
@@ -3167,7 +3166,7 @@
           <a:lstStyle/>
           <a:p>
             <a:r>
-              <a:t>yes</a:t>
+              <a:t>2</a:t>
             </a:r>
           </a:p>
         </p:txBody>
@@ -3214,91 +3213,39 @@
             <a:spLocks noGrp="1"/>
           </p:cNvSpPr>
           <p:nvPr>
-            <p:ph type="title"/>
-          </p:nvPr>
-        </p:nvSpPr>
-        <p:spPr/>
-        <p:txBody>
-          <a:bodyPr/>
-          <a:lstStyle/>
-          <a:p>
-            <a:r>
-              <a:t>no </a:t>
-            </a:r>
-          </a:p>
-        </p:txBody>
-      </p:sp>
-      <p:sp>
-        <p:nvSpPr>
-          <p:cNvPr id="3" name="Content Placeholder 2"/>
-          <p:cNvSpPr>
-            <a:spLocks noGrp="1"/>
-          </p:cNvSpPr>
-          <p:nvPr>
-            <p:ph idx="1"/>
-          </p:nvPr>
-        </p:nvSpPr>
-        <p:spPr/>
-        <p:txBody>
-          <a:bodyPr/>
-          <a:lstStyle/>
-          <a:p/>
-        </p:txBody>
-      </p:sp>
-    </p:spTree>
-  </p:cSld>
-  <p:clrMapOvr>
-    <a:masterClrMapping/>
-  </p:clrMapOvr>
-</p:sld>
-</file>
-
-<file path=ppt/slides/slide4.xml><?xml version="1.0" encoding="utf-8"?>
-<p:sld xmlns:a="http://schemas.openxmlformats.org/drawingml/2006/main" xmlns:p="http://schemas.openxmlformats.org/presentationml/2006/main" xmlns:r="http://schemas.openxmlformats.org/officeDocument/2006/relationships">
-  <p:cSld>
-    <p:spTree>
-      <p:nvGrpSpPr>
-        <p:cNvPr id="1" name=""/>
-        <p:cNvGrpSpPr/>
-        <p:nvPr/>
-      </p:nvGrpSpPr>
-      <p:grpSpPr/>
-      <p:sp>
-        <p:nvSpPr>
-          <p:cNvPr id="2" name="Title 1"/>
-          <p:cNvSpPr>
-            <a:spLocks noGrp="1"/>
-          </p:cNvSpPr>
-          <p:nvPr>
-            <p:ph type="title"/>
-          </p:nvPr>
-        </p:nvSpPr>
-        <p:spPr/>
-        <p:txBody>
-          <a:bodyPr/>
-          <a:lstStyle/>
-          <a:p>
-            <a:r>
-              <a:t>yes</a:t>
-            </a:r>
-          </a:p>
-        </p:txBody>
-      </p:sp>
-      <p:sp>
-        <p:nvSpPr>
-          <p:cNvPr id="3" name="Content Placeholder 2"/>
-          <p:cNvSpPr>
-            <a:spLocks noGrp="1"/>
-          </p:cNvSpPr>
-          <p:nvPr>
-            <p:ph idx="1"/>
-          </p:nvPr>
-        </p:nvSpPr>
-        <p:spPr/>
-        <p:txBody>
-          <a:bodyPr/>
-          <a:lstStyle/>
-          <a:p/>
+            <p:ph type="ctrTitle"/>
+          </p:nvPr>
+        </p:nvSpPr>
+        <p:spPr/>
+        <p:txBody>
+          <a:bodyPr/>
+          <a:lstStyle/>
+          <a:p>
+            <a:r>
+              <a:t>Are there any questions?</a:t>
+            </a:r>
+          </a:p>
+        </p:txBody>
+      </p:sp>
+      <p:sp>
+        <p:nvSpPr>
+          <p:cNvPr id="3" name="Subtitle 2"/>
+          <p:cNvSpPr>
+            <a:spLocks noGrp="1"/>
+          </p:cNvSpPr>
+          <p:nvPr>
+            <p:ph type="subTitle" idx="1"/>
+          </p:nvPr>
+        </p:nvSpPr>
+        <p:spPr/>
+        <p:txBody>
+          <a:bodyPr/>
+          <a:lstStyle/>
+          <a:p>
+            <a:r>
+              <a:t>Have a wonderful day!</a:t>
+            </a:r>
+          </a:p>
         </p:txBody>
       </p:sp>
     </p:spTree>

--- a/Testing.pptx
+++ b/Testing.pptx
@@ -8,6 +8,7 @@
     <p:sldId id="256" r:id="rId7"/>
     <p:sldId id="257" r:id="rId8"/>
     <p:sldId id="258" r:id="rId9"/>
+    <p:sldId id="259" r:id="rId10"/>
   </p:sldIdLst>
   <p:sldSz cx="9144000" cy="6858000" type="screen4x3"/>
   <p:notesSz cx="6858000" cy="9144000"/>
@@ -3106,7 +3107,7 @@
           <a:lstStyle/>
           <a:p>
             <a:r>
-              <a:t>t</a:t>
+              <a:t>Censorship</a:t>
             </a:r>
           </a:p>
         </p:txBody>
@@ -3127,7 +3128,7 @@
           <a:lstStyle/>
           <a:p>
             <a:r>
-              <a:t>s</a:t>
+              <a:t>seb</a:t>
             </a:r>
           </a:p>
         </p:txBody>
@@ -3166,7 +3167,7 @@
           <a:lstStyle/>
           <a:p>
             <a:r>
-              <a:t>2</a:t>
+              <a:t>What is censorship?</a:t>
             </a:r>
           </a:p>
         </p:txBody>
@@ -3197,6 +3198,62 @@
 </file>
 
 <file path=ppt/slides/slide3.xml><?xml version="1.0" encoding="utf-8"?>
+<p:sld xmlns:a="http://schemas.openxmlformats.org/drawingml/2006/main" xmlns:p="http://schemas.openxmlformats.org/presentationml/2006/main" xmlns:r="http://schemas.openxmlformats.org/officeDocument/2006/relationships">
+  <p:cSld>
+    <p:spTree>
+      <p:nvGrpSpPr>
+        <p:cNvPr id="1" name=""/>
+        <p:cNvGrpSpPr/>
+        <p:nvPr/>
+      </p:nvGrpSpPr>
+      <p:grpSpPr/>
+      <p:sp>
+        <p:nvSpPr>
+          <p:cNvPr id="2" name="Title 1"/>
+          <p:cNvSpPr>
+            <a:spLocks noGrp="1"/>
+          </p:cNvSpPr>
+          <p:nvPr>
+            <p:ph type="title"/>
+          </p:nvPr>
+        </p:nvSpPr>
+        <p:spPr/>
+        <p:txBody>
+          <a:bodyPr/>
+          <a:lstStyle/>
+          <a:p>
+            <a:r>
+              <a:t>3</a:t>
+            </a:r>
+          </a:p>
+        </p:txBody>
+      </p:sp>
+      <p:sp>
+        <p:nvSpPr>
+          <p:cNvPr id="3" name="Content Placeholder 2"/>
+          <p:cNvSpPr>
+            <a:spLocks noGrp="1"/>
+          </p:cNvSpPr>
+          <p:nvPr>
+            <p:ph idx="1"/>
+          </p:nvPr>
+        </p:nvSpPr>
+        <p:spPr/>
+        <p:txBody>
+          <a:bodyPr/>
+          <a:lstStyle/>
+          <a:p/>
+        </p:txBody>
+      </p:sp>
+    </p:spTree>
+  </p:cSld>
+  <p:clrMapOvr>
+    <a:masterClrMapping/>
+  </p:clrMapOvr>
+</p:sld>
+</file>
+
+<file path=ppt/slides/slide4.xml><?xml version="1.0" encoding="utf-8"?>
 <p:sld xmlns:a="http://schemas.openxmlformats.org/drawingml/2006/main" xmlns:p="http://schemas.openxmlformats.org/presentationml/2006/main" xmlns:r="http://schemas.openxmlformats.org/officeDocument/2006/relationships">
   <p:cSld>
     <p:spTree>

--- a/Testing.pptx
+++ b/Testing.pptx
@@ -9,6 +9,10 @@
     <p:sldId id="257" r:id="rId8"/>
     <p:sldId id="258" r:id="rId9"/>
     <p:sldId id="259" r:id="rId10"/>
+    <p:sldId id="260" r:id="rId11"/>
+    <p:sldId id="261" r:id="rId12"/>
+    <p:sldId id="262" r:id="rId13"/>
+    <p:sldId id="263" r:id="rId14"/>
   </p:sldIdLst>
   <p:sldSz cx="9144000" cy="6858000" type="screen4x3"/>
   <p:notesSz cx="6858000" cy="9144000"/>
@@ -3107,7 +3111,7 @@
           <a:lstStyle/>
           <a:p>
             <a:r>
-              <a:t>Censorship</a:t>
+              <a:t>wok</a:t>
             </a:r>
           </a:p>
         </p:txBody>
@@ -3128,7 +3132,7 @@
           <a:lstStyle/>
           <a:p>
             <a:r>
-              <a:t>seb</a:t>
+              <a:t>Made by seb</a:t>
             </a:r>
           </a:p>
         </p:txBody>
@@ -3167,7 +3171,7 @@
           <a:lstStyle/>
           <a:p>
             <a:r>
-              <a:t>What is censorship?</a:t>
+              <a:t>What is wok?</a:t>
             </a:r>
           </a:p>
         </p:txBody>
@@ -3254,6 +3258,230 @@
 </file>
 
 <file path=ppt/slides/slide4.xml><?xml version="1.0" encoding="utf-8"?>
+<p:sld xmlns:a="http://schemas.openxmlformats.org/drawingml/2006/main" xmlns:p="http://schemas.openxmlformats.org/presentationml/2006/main" xmlns:r="http://schemas.openxmlformats.org/officeDocument/2006/relationships">
+  <p:cSld>
+    <p:spTree>
+      <p:nvGrpSpPr>
+        <p:cNvPr id="1" name=""/>
+        <p:cNvGrpSpPr/>
+        <p:nvPr/>
+      </p:nvGrpSpPr>
+      <p:grpSpPr/>
+      <p:sp>
+        <p:nvSpPr>
+          <p:cNvPr id="2" name="Title 1"/>
+          <p:cNvSpPr>
+            <a:spLocks noGrp="1"/>
+          </p:cNvSpPr>
+          <p:nvPr>
+            <p:ph type="title"/>
+          </p:nvPr>
+        </p:nvSpPr>
+        <p:spPr/>
+        <p:txBody>
+          <a:bodyPr/>
+          <a:lstStyle/>
+          <a:p>
+            <a:r>
+              <a:t>4</a:t>
+            </a:r>
+          </a:p>
+        </p:txBody>
+      </p:sp>
+      <p:sp>
+        <p:nvSpPr>
+          <p:cNvPr id="3" name="Content Placeholder 2"/>
+          <p:cNvSpPr>
+            <a:spLocks noGrp="1"/>
+          </p:cNvSpPr>
+          <p:nvPr>
+            <p:ph idx="1"/>
+          </p:nvPr>
+        </p:nvSpPr>
+        <p:spPr/>
+        <p:txBody>
+          <a:bodyPr/>
+          <a:lstStyle/>
+          <a:p/>
+        </p:txBody>
+      </p:sp>
+    </p:spTree>
+  </p:cSld>
+  <p:clrMapOvr>
+    <a:masterClrMapping/>
+  </p:clrMapOvr>
+</p:sld>
+</file>
+
+<file path=ppt/slides/slide5.xml><?xml version="1.0" encoding="utf-8"?>
+<p:sld xmlns:a="http://schemas.openxmlformats.org/drawingml/2006/main" xmlns:p="http://schemas.openxmlformats.org/presentationml/2006/main" xmlns:r="http://schemas.openxmlformats.org/officeDocument/2006/relationships">
+  <p:cSld>
+    <p:spTree>
+      <p:nvGrpSpPr>
+        <p:cNvPr id="1" name=""/>
+        <p:cNvGrpSpPr/>
+        <p:nvPr/>
+      </p:nvGrpSpPr>
+      <p:grpSpPr/>
+      <p:sp>
+        <p:nvSpPr>
+          <p:cNvPr id="2" name="Title 1"/>
+          <p:cNvSpPr>
+            <a:spLocks noGrp="1"/>
+          </p:cNvSpPr>
+          <p:nvPr>
+            <p:ph type="title"/>
+          </p:nvPr>
+        </p:nvSpPr>
+        <p:spPr/>
+        <p:txBody>
+          <a:bodyPr/>
+          <a:lstStyle/>
+          <a:p>
+            <a:r>
+              <a:t>5</a:t>
+            </a:r>
+          </a:p>
+        </p:txBody>
+      </p:sp>
+      <p:sp>
+        <p:nvSpPr>
+          <p:cNvPr id="3" name="Content Placeholder 2"/>
+          <p:cNvSpPr>
+            <a:spLocks noGrp="1"/>
+          </p:cNvSpPr>
+          <p:nvPr>
+            <p:ph idx="1"/>
+          </p:nvPr>
+        </p:nvSpPr>
+        <p:spPr/>
+        <p:txBody>
+          <a:bodyPr/>
+          <a:lstStyle/>
+          <a:p/>
+        </p:txBody>
+      </p:sp>
+    </p:spTree>
+  </p:cSld>
+  <p:clrMapOvr>
+    <a:masterClrMapping/>
+  </p:clrMapOvr>
+</p:sld>
+</file>
+
+<file path=ppt/slides/slide6.xml><?xml version="1.0" encoding="utf-8"?>
+<p:sld xmlns:a="http://schemas.openxmlformats.org/drawingml/2006/main" xmlns:p="http://schemas.openxmlformats.org/presentationml/2006/main" xmlns:r="http://schemas.openxmlformats.org/officeDocument/2006/relationships">
+  <p:cSld>
+    <p:spTree>
+      <p:nvGrpSpPr>
+        <p:cNvPr id="1" name=""/>
+        <p:cNvGrpSpPr/>
+        <p:nvPr/>
+      </p:nvGrpSpPr>
+      <p:grpSpPr/>
+      <p:sp>
+        <p:nvSpPr>
+          <p:cNvPr id="2" name="Title 1"/>
+          <p:cNvSpPr>
+            <a:spLocks noGrp="1"/>
+          </p:cNvSpPr>
+          <p:nvPr>
+            <p:ph type="title"/>
+          </p:nvPr>
+        </p:nvSpPr>
+        <p:spPr/>
+        <p:txBody>
+          <a:bodyPr/>
+          <a:lstStyle/>
+          <a:p>
+            <a:r>
+              <a:t>wok in the future</a:t>
+            </a:r>
+          </a:p>
+        </p:txBody>
+      </p:sp>
+      <p:sp>
+        <p:nvSpPr>
+          <p:cNvPr id="3" name="Content Placeholder 2"/>
+          <p:cNvSpPr>
+            <a:spLocks noGrp="1"/>
+          </p:cNvSpPr>
+          <p:nvPr>
+            <p:ph idx="1"/>
+          </p:nvPr>
+        </p:nvSpPr>
+        <p:spPr/>
+        <p:txBody>
+          <a:bodyPr/>
+          <a:lstStyle/>
+          <a:p/>
+        </p:txBody>
+      </p:sp>
+    </p:spTree>
+  </p:cSld>
+  <p:clrMapOvr>
+    <a:masterClrMapping/>
+  </p:clrMapOvr>
+</p:sld>
+</file>
+
+<file path=ppt/slides/slide7.xml><?xml version="1.0" encoding="utf-8"?>
+<p:sld xmlns:a="http://schemas.openxmlformats.org/drawingml/2006/main" xmlns:p="http://schemas.openxmlformats.org/presentationml/2006/main" xmlns:r="http://schemas.openxmlformats.org/officeDocument/2006/relationships">
+  <p:cSld>
+    <p:spTree>
+      <p:nvGrpSpPr>
+        <p:cNvPr id="1" name=""/>
+        <p:cNvGrpSpPr/>
+        <p:nvPr/>
+      </p:nvGrpSpPr>
+      <p:grpSpPr/>
+      <p:sp>
+        <p:nvSpPr>
+          <p:cNvPr id="2" name="Title 1"/>
+          <p:cNvSpPr>
+            <a:spLocks noGrp="1"/>
+          </p:cNvSpPr>
+          <p:nvPr>
+            <p:ph type="title"/>
+          </p:nvPr>
+        </p:nvSpPr>
+        <p:spPr/>
+        <p:txBody>
+          <a:bodyPr/>
+          <a:lstStyle/>
+          <a:p>
+            <a:r>
+              <a:t>Used sources</a:t>
+            </a:r>
+          </a:p>
+        </p:txBody>
+      </p:sp>
+      <p:sp>
+        <p:nvSpPr>
+          <p:cNvPr id="3" name="Content Placeholder 2"/>
+          <p:cNvSpPr>
+            <a:spLocks noGrp="1"/>
+          </p:cNvSpPr>
+          <p:nvPr>
+            <p:ph idx="1"/>
+          </p:nvPr>
+        </p:nvSpPr>
+        <p:spPr/>
+        <p:txBody>
+          <a:bodyPr/>
+          <a:lstStyle/>
+          <a:p/>
+        </p:txBody>
+      </p:sp>
+    </p:spTree>
+  </p:cSld>
+  <p:clrMapOvr>
+    <a:masterClrMapping/>
+  </p:clrMapOvr>
+</p:sld>
+</file>
+
+<file path=ppt/slides/slide8.xml><?xml version="1.0" encoding="utf-8"?>
 <p:sld xmlns:a="http://schemas.openxmlformats.org/drawingml/2006/main" xmlns:p="http://schemas.openxmlformats.org/presentationml/2006/main" xmlns:r="http://schemas.openxmlformats.org/officeDocument/2006/relationships">
   <p:cSld>
     <p:spTree>

--- a/Testing.pptx
+++ b/Testing.pptx
@@ -9,10 +9,6 @@
     <p:sldId id="257" r:id="rId8"/>
     <p:sldId id="258" r:id="rId9"/>
     <p:sldId id="259" r:id="rId10"/>
-    <p:sldId id="260" r:id="rId11"/>
-    <p:sldId id="261" r:id="rId12"/>
-    <p:sldId id="262" r:id="rId13"/>
-    <p:sldId id="263" r:id="rId14"/>
   </p:sldIdLst>
   <p:sldSz cx="9144000" cy="6858000" type="screen4x3"/>
   <p:notesSz cx="6858000" cy="9144000"/>
@@ -3111,7 +3107,7 @@
           <a:lstStyle/>
           <a:p>
             <a:r>
-              <a:t>wok</a:t>
+              <a:t>test</a:t>
             </a:r>
           </a:p>
         </p:txBody>
@@ -3171,7 +3167,7 @@
           <a:lstStyle/>
           <a:p>
             <a:r>
-              <a:t>What is wok?</a:t>
+              <a:t>What is test?</a:t>
             </a:r>
           </a:p>
         </p:txBody>
@@ -3227,7 +3223,7 @@
           <a:lstStyle/>
           <a:p>
             <a:r>
-              <a:t>3</a:t>
+              <a:t>write a random greeting</a:t>
             </a:r>
           </a:p>
         </p:txBody>
@@ -3246,7 +3242,17 @@
         <p:txBody>
           <a:bodyPr/>
           <a:lstStyle/>
+          <a:p>
+            <a:r>
+              <a:t> card message</a:t>
+            </a:r>
+          </a:p>
           <a:p/>
+          <a:p>
+            <a:r>
+              <a:t>For you, every day is a special</a:t>
+            </a:r>
+          </a:p>
         </p:txBody>
       </p:sp>
     </p:spTree>
@@ -3258,230 +3264,6 @@
 </file>
 
 <file path=ppt/slides/slide4.xml><?xml version="1.0" encoding="utf-8"?>
-<p:sld xmlns:a="http://schemas.openxmlformats.org/drawingml/2006/main" xmlns:p="http://schemas.openxmlformats.org/presentationml/2006/main" xmlns:r="http://schemas.openxmlformats.org/officeDocument/2006/relationships">
-  <p:cSld>
-    <p:spTree>
-      <p:nvGrpSpPr>
-        <p:cNvPr id="1" name=""/>
-        <p:cNvGrpSpPr/>
-        <p:nvPr/>
-      </p:nvGrpSpPr>
-      <p:grpSpPr/>
-      <p:sp>
-        <p:nvSpPr>
-          <p:cNvPr id="2" name="Title 1"/>
-          <p:cNvSpPr>
-            <a:spLocks noGrp="1"/>
-          </p:cNvSpPr>
-          <p:nvPr>
-            <p:ph type="title"/>
-          </p:nvPr>
-        </p:nvSpPr>
-        <p:spPr/>
-        <p:txBody>
-          <a:bodyPr/>
-          <a:lstStyle/>
-          <a:p>
-            <a:r>
-              <a:t>4</a:t>
-            </a:r>
-          </a:p>
-        </p:txBody>
-      </p:sp>
-      <p:sp>
-        <p:nvSpPr>
-          <p:cNvPr id="3" name="Content Placeholder 2"/>
-          <p:cNvSpPr>
-            <a:spLocks noGrp="1"/>
-          </p:cNvSpPr>
-          <p:nvPr>
-            <p:ph idx="1"/>
-          </p:nvPr>
-        </p:nvSpPr>
-        <p:spPr/>
-        <p:txBody>
-          <a:bodyPr/>
-          <a:lstStyle/>
-          <a:p/>
-        </p:txBody>
-      </p:sp>
-    </p:spTree>
-  </p:cSld>
-  <p:clrMapOvr>
-    <a:masterClrMapping/>
-  </p:clrMapOvr>
-</p:sld>
-</file>
-
-<file path=ppt/slides/slide5.xml><?xml version="1.0" encoding="utf-8"?>
-<p:sld xmlns:a="http://schemas.openxmlformats.org/drawingml/2006/main" xmlns:p="http://schemas.openxmlformats.org/presentationml/2006/main" xmlns:r="http://schemas.openxmlformats.org/officeDocument/2006/relationships">
-  <p:cSld>
-    <p:spTree>
-      <p:nvGrpSpPr>
-        <p:cNvPr id="1" name=""/>
-        <p:cNvGrpSpPr/>
-        <p:nvPr/>
-      </p:nvGrpSpPr>
-      <p:grpSpPr/>
-      <p:sp>
-        <p:nvSpPr>
-          <p:cNvPr id="2" name="Title 1"/>
-          <p:cNvSpPr>
-            <a:spLocks noGrp="1"/>
-          </p:cNvSpPr>
-          <p:nvPr>
-            <p:ph type="title"/>
-          </p:nvPr>
-        </p:nvSpPr>
-        <p:spPr/>
-        <p:txBody>
-          <a:bodyPr/>
-          <a:lstStyle/>
-          <a:p>
-            <a:r>
-              <a:t>5</a:t>
-            </a:r>
-          </a:p>
-        </p:txBody>
-      </p:sp>
-      <p:sp>
-        <p:nvSpPr>
-          <p:cNvPr id="3" name="Content Placeholder 2"/>
-          <p:cNvSpPr>
-            <a:spLocks noGrp="1"/>
-          </p:cNvSpPr>
-          <p:nvPr>
-            <p:ph idx="1"/>
-          </p:nvPr>
-        </p:nvSpPr>
-        <p:spPr/>
-        <p:txBody>
-          <a:bodyPr/>
-          <a:lstStyle/>
-          <a:p/>
-        </p:txBody>
-      </p:sp>
-    </p:spTree>
-  </p:cSld>
-  <p:clrMapOvr>
-    <a:masterClrMapping/>
-  </p:clrMapOvr>
-</p:sld>
-</file>
-
-<file path=ppt/slides/slide6.xml><?xml version="1.0" encoding="utf-8"?>
-<p:sld xmlns:a="http://schemas.openxmlformats.org/drawingml/2006/main" xmlns:p="http://schemas.openxmlformats.org/presentationml/2006/main" xmlns:r="http://schemas.openxmlformats.org/officeDocument/2006/relationships">
-  <p:cSld>
-    <p:spTree>
-      <p:nvGrpSpPr>
-        <p:cNvPr id="1" name=""/>
-        <p:cNvGrpSpPr/>
-        <p:nvPr/>
-      </p:nvGrpSpPr>
-      <p:grpSpPr/>
-      <p:sp>
-        <p:nvSpPr>
-          <p:cNvPr id="2" name="Title 1"/>
-          <p:cNvSpPr>
-            <a:spLocks noGrp="1"/>
-          </p:cNvSpPr>
-          <p:nvPr>
-            <p:ph type="title"/>
-          </p:nvPr>
-        </p:nvSpPr>
-        <p:spPr/>
-        <p:txBody>
-          <a:bodyPr/>
-          <a:lstStyle/>
-          <a:p>
-            <a:r>
-              <a:t>wok in the future</a:t>
-            </a:r>
-          </a:p>
-        </p:txBody>
-      </p:sp>
-      <p:sp>
-        <p:nvSpPr>
-          <p:cNvPr id="3" name="Content Placeholder 2"/>
-          <p:cNvSpPr>
-            <a:spLocks noGrp="1"/>
-          </p:cNvSpPr>
-          <p:nvPr>
-            <p:ph idx="1"/>
-          </p:nvPr>
-        </p:nvSpPr>
-        <p:spPr/>
-        <p:txBody>
-          <a:bodyPr/>
-          <a:lstStyle/>
-          <a:p/>
-        </p:txBody>
-      </p:sp>
-    </p:spTree>
-  </p:cSld>
-  <p:clrMapOvr>
-    <a:masterClrMapping/>
-  </p:clrMapOvr>
-</p:sld>
-</file>
-
-<file path=ppt/slides/slide7.xml><?xml version="1.0" encoding="utf-8"?>
-<p:sld xmlns:a="http://schemas.openxmlformats.org/drawingml/2006/main" xmlns:p="http://schemas.openxmlformats.org/presentationml/2006/main" xmlns:r="http://schemas.openxmlformats.org/officeDocument/2006/relationships">
-  <p:cSld>
-    <p:spTree>
-      <p:nvGrpSpPr>
-        <p:cNvPr id="1" name=""/>
-        <p:cNvGrpSpPr/>
-        <p:nvPr/>
-      </p:nvGrpSpPr>
-      <p:grpSpPr/>
-      <p:sp>
-        <p:nvSpPr>
-          <p:cNvPr id="2" name="Title 1"/>
-          <p:cNvSpPr>
-            <a:spLocks noGrp="1"/>
-          </p:cNvSpPr>
-          <p:nvPr>
-            <p:ph type="title"/>
-          </p:nvPr>
-        </p:nvSpPr>
-        <p:spPr/>
-        <p:txBody>
-          <a:bodyPr/>
-          <a:lstStyle/>
-          <a:p>
-            <a:r>
-              <a:t>Used sources</a:t>
-            </a:r>
-          </a:p>
-        </p:txBody>
-      </p:sp>
-      <p:sp>
-        <p:nvSpPr>
-          <p:cNvPr id="3" name="Content Placeholder 2"/>
-          <p:cNvSpPr>
-            <a:spLocks noGrp="1"/>
-          </p:cNvSpPr>
-          <p:nvPr>
-            <p:ph idx="1"/>
-          </p:nvPr>
-        </p:nvSpPr>
-        <p:spPr/>
-        <p:txBody>
-          <a:bodyPr/>
-          <a:lstStyle/>
-          <a:p/>
-        </p:txBody>
-      </p:sp>
-    </p:spTree>
-  </p:cSld>
-  <p:clrMapOvr>
-    <a:masterClrMapping/>
-  </p:clrMapOvr>
-</p:sld>
-</file>
-
-<file path=ppt/slides/slide8.xml><?xml version="1.0" encoding="utf-8"?>
 <p:sld xmlns:a="http://schemas.openxmlformats.org/drawingml/2006/main" xmlns:p="http://schemas.openxmlformats.org/presentationml/2006/main" xmlns:r="http://schemas.openxmlformats.org/officeDocument/2006/relationships">
   <p:cSld>
     <p:spTree>

--- a/Testing.pptx
+++ b/Testing.pptx
@@ -3223,7 +3223,7 @@
           <a:lstStyle/>
           <a:p>
             <a:r>
-              <a:t>write a random greeting</a:t>
+              <a:t>The making of the simpsons</a:t>
             </a:r>
           </a:p>
         </p:txBody>
@@ -3242,19 +3242,39 @@
         <p:txBody>
           <a:bodyPr/>
           <a:lstStyle/>
-          <a:p>
-            <a:r>
-              <a:t> card message</a:t>
-            </a:r>
-          </a:p>
           <a:p/>
-          <a:p>
-            <a:r>
-              <a:t>For you, every day is a special</a:t>
-            </a:r>
-          </a:p>
-        </p:txBody>
-      </p:sp>
+          <a:p/>
+          <a:p>
+            <a:r>
+              <a:t>There is no one answer to this question, as</a:t>
+            </a:r>
+          </a:p>
+        </p:txBody>
+      </p:sp>
+      <p:pic>
+        <p:nvPicPr>
+          <p:cNvPr id="4" name="Picture 3" descr="dall_e_generated_image.png"/>
+          <p:cNvPicPr>
+            <a:picLocks noChangeAspect="1"/>
+          </p:cNvPicPr>
+          <p:nvPr/>
+        </p:nvPicPr>
+        <p:blipFill>
+          <a:blip r:embed="rId2"/>
+          <a:stretch>
+            <a:fillRect/>
+          </a:stretch>
+        </p:blipFill>
+        <p:spPr>
+          <a:xfrm>
+            <a:off x="3657600" y="3657600"/>
+            <a:ext cx="3251200" cy="3251200"/>
+          </a:xfrm>
+          <a:prstGeom prst="rect">
+            <a:avLst/>
+          </a:prstGeom>
+        </p:spPr>
+      </p:pic>
     </p:spTree>
   </p:cSld>
   <p:clrMapOvr>
